--- a/Digital control - lecture 1.pptx
+++ b/Digital control - lecture 1.pptx
@@ -181,7 +181,7 @@
     </inkml:brush>
   </inkml:definitions>
   <inkml:trace contextRef="#ctx0" brushRef="#br0">43 11,'1'-10,"2"14,2 8,11 24,-1 0,-2 1,0 5,11 30,-12-32,3 19,-6-20,12 29,-8-27,-2 2,-1-1,-3 1,-1 0,-2 11,-1 25,-3 2,-1-70,1 3</inkml:trace>
-  <inkml:trace contextRef="#ctx0" brushRef="#br0" timeOffset="1352.692">30 511,'-1'-1,"-1"0,1-1,-1 1,1 0,-1 0,0 0,1 0,-1 0,0 0,0 0,0 0,1 1,-1-1,0 1,0 0,-1-1,21 19,-4-3,0 0,-2 1,0 1,0 0,-2 1,1 2,17 38,4 19,-10-23,20 35,-30-68,-8-13,-3-7,-2-3,2 2,0 0,0-1,0 1,0-1,0 0,0 1,0-1,0 0,0 0,-1 1,1-1,0 0,-1 1,46-51,-2-2,16-27,3-5,-23 34,99-122,-125 157</inkml:trace>
+  <inkml:trace contextRef="#ctx0" brushRef="#br0" timeOffset="1352.69">30 511,'-1'-1,"-1"0,1-1,-1 1,1 0,-1 0,0 0,1 0,-1 0,0 0,0 0,0 0,1 1,-1-1,0 1,0 0,-1-1,21 19,-4-3,0 0,-2 1,0 1,0 0,-2 1,1 2,17 38,4 19,-10-23,20 35,-30-68,-8-13,-3-7,-2-3,2 2,0 0,0-1,0 1,0-1,0 0,0 1,0-1,0 0,0 0,-1 1,1-1,0 0,-1 1,46-51,-2-2,16-27,3-5,-23 34,99-122,-125 157</inkml:trace>
 </inkml:ink>
 </file>
 
@@ -364,7 +364,7 @@
           <a:p>
             <a:fld id="{EE9644A6-59D6-464D-AD1A-3A8F82524950}" type="datetimeFigureOut">
               <a:rPr lang="en-US" smtClean="0"/>
-              <a:t>2/19/2019</a:t>
+              <a:t>2/26/2019</a:t>
             </a:fld>
             <a:endParaRPr lang="en-US"/>
           </a:p>
@@ -562,7 +562,7 @@
           <a:p>
             <a:fld id="{EE9644A6-59D6-464D-AD1A-3A8F82524950}" type="datetimeFigureOut">
               <a:rPr lang="en-US" smtClean="0"/>
-              <a:t>2/19/2019</a:t>
+              <a:t>2/26/2019</a:t>
             </a:fld>
             <a:endParaRPr lang="en-US"/>
           </a:p>
@@ -770,7 +770,7 @@
           <a:p>
             <a:fld id="{EE9644A6-59D6-464D-AD1A-3A8F82524950}" type="datetimeFigureOut">
               <a:rPr lang="en-US" smtClean="0"/>
-              <a:t>2/19/2019</a:t>
+              <a:t>2/26/2019</a:t>
             </a:fld>
             <a:endParaRPr lang="en-US"/>
           </a:p>
@@ -968,7 +968,7 @@
           <a:p>
             <a:fld id="{EE9644A6-59D6-464D-AD1A-3A8F82524950}" type="datetimeFigureOut">
               <a:rPr lang="en-US" smtClean="0"/>
-              <a:t>2/19/2019</a:t>
+              <a:t>2/26/2019</a:t>
             </a:fld>
             <a:endParaRPr lang="en-US"/>
           </a:p>
@@ -1243,7 +1243,7 @@
           <a:p>
             <a:fld id="{EE9644A6-59D6-464D-AD1A-3A8F82524950}" type="datetimeFigureOut">
               <a:rPr lang="en-US" smtClean="0"/>
-              <a:t>2/19/2019</a:t>
+              <a:t>2/26/2019</a:t>
             </a:fld>
             <a:endParaRPr lang="en-US"/>
           </a:p>
@@ -1508,7 +1508,7 @@
           <a:p>
             <a:fld id="{EE9644A6-59D6-464D-AD1A-3A8F82524950}" type="datetimeFigureOut">
               <a:rPr lang="en-US" smtClean="0"/>
-              <a:t>2/19/2019</a:t>
+              <a:t>2/26/2019</a:t>
             </a:fld>
             <a:endParaRPr lang="en-US"/>
           </a:p>
@@ -1920,7 +1920,7 @@
           <a:p>
             <a:fld id="{EE9644A6-59D6-464D-AD1A-3A8F82524950}" type="datetimeFigureOut">
               <a:rPr lang="en-US" smtClean="0"/>
-              <a:t>2/19/2019</a:t>
+              <a:t>2/26/2019</a:t>
             </a:fld>
             <a:endParaRPr lang="en-US"/>
           </a:p>
@@ -2061,7 +2061,7 @@
           <a:p>
             <a:fld id="{EE9644A6-59D6-464D-AD1A-3A8F82524950}" type="datetimeFigureOut">
               <a:rPr lang="en-US" smtClean="0"/>
-              <a:t>2/19/2019</a:t>
+              <a:t>2/26/2019</a:t>
             </a:fld>
             <a:endParaRPr lang="en-US"/>
           </a:p>
@@ -2174,7 +2174,7 @@
           <a:p>
             <a:fld id="{EE9644A6-59D6-464D-AD1A-3A8F82524950}" type="datetimeFigureOut">
               <a:rPr lang="en-US" smtClean="0"/>
-              <a:t>2/19/2019</a:t>
+              <a:t>2/26/2019</a:t>
             </a:fld>
             <a:endParaRPr lang="en-US"/>
           </a:p>
@@ -2485,7 +2485,7 @@
           <a:p>
             <a:fld id="{EE9644A6-59D6-464D-AD1A-3A8F82524950}" type="datetimeFigureOut">
               <a:rPr lang="en-US" smtClean="0"/>
-              <a:t>2/19/2019</a:t>
+              <a:t>2/26/2019</a:t>
             </a:fld>
             <a:endParaRPr lang="en-US"/>
           </a:p>
@@ -2773,7 +2773,7 @@
           <a:p>
             <a:fld id="{EE9644A6-59D6-464D-AD1A-3A8F82524950}" type="datetimeFigureOut">
               <a:rPr lang="en-US" smtClean="0"/>
-              <a:t>2/19/2019</a:t>
+              <a:t>2/26/2019</a:t>
             </a:fld>
             <a:endParaRPr lang="en-US"/>
           </a:p>
@@ -3014,7 +3014,7 @@
           <a:p>
             <a:fld id="{EE9644A6-59D6-464D-AD1A-3A8F82524950}" type="datetimeFigureOut">
               <a:rPr lang="en-US" smtClean="0"/>
-              <a:t>2/19/2019</a:t>
+              <a:t>2/26/2019</a:t>
             </a:fld>
             <a:endParaRPr lang="en-US"/>
           </a:p>
@@ -3499,10 +3499,73 @@
       </p:sp>
       <p:sp>
         <p:nvSpPr>
-          <p:cNvPr id="3" name="Subtitle 2">
+          <p:cNvPr id="4" name="Title 1">
             <a:extLst>
               <a:ext uri="{FF2B5EF4-FFF2-40B4-BE49-F238E27FC236}">
-                <a16:creationId xmlns:a16="http://schemas.microsoft.com/office/drawing/2014/main" id="{DFD8BF67-A997-468F-A693-951DBA4281E2}"/>
+                <a16:creationId xmlns:a16="http://schemas.microsoft.com/office/drawing/2014/main" id="{44881F1D-B9AF-4F96-85D6-AFFD982AA0F2}"/>
+              </a:ext>
+            </a:extLst>
+          </p:cNvPr>
+          <p:cNvSpPr txBox="1">
+            <a:spLocks/>
+          </p:cNvSpPr>
+          <p:nvPr/>
+        </p:nvSpPr>
+        <p:spPr>
+          <a:xfrm>
+            <a:off x="861743" y="4921714"/>
+            <a:ext cx="10468511" cy="1325563"/>
+          </a:xfrm>
+          <a:prstGeom prst="rect">
+            <a:avLst/>
+          </a:prstGeom>
+        </p:spPr>
+        <p:txBody>
+          <a:bodyPr vert="horz" lIns="91440" tIns="45720" rIns="91440" bIns="45720" rtlCol="0" anchor="b">
+            <a:normAutofit/>
+          </a:bodyPr>
+          <a:lstStyle>
+            <a:lvl1pPr algn="ctr" defTabSz="914400" rtl="0" eaLnBrk="1" latinLnBrk="0" hangingPunct="1">
+              <a:lnSpc>
+                <a:spcPct val="90000"/>
+              </a:lnSpc>
+              <a:spcBef>
+                <a:spcPct val="0"/>
+              </a:spcBef>
+              <a:buNone/>
+              <a:defRPr sz="6000" kern="1200">
+                <a:solidFill>
+                  <a:schemeClr val="tx1"/>
+                </a:solidFill>
+                <a:latin typeface="+mj-lt"/>
+                <a:ea typeface="+mj-ea"/>
+                <a:cs typeface="+mj-cs"/>
+              </a:defRPr>
+            </a:lvl1pPr>
+          </a:lstStyle>
+          <a:p>
+            <a:r>
+              <a:rPr lang="ar-SY" sz="3200" dirty="0">
+                <a:solidFill>
+                  <a:srgbClr val="FF0000"/>
+                </a:solidFill>
+              </a:rPr>
+              <a:t>المحاضرة 1</a:t>
+            </a:r>
+            <a:endParaRPr lang="en-US" sz="3200" dirty="0">
+              <a:solidFill>
+                <a:srgbClr val="FF0000"/>
+              </a:solidFill>
+            </a:endParaRPr>
+          </a:p>
+        </p:txBody>
+      </p:sp>
+      <p:sp>
+        <p:nvSpPr>
+          <p:cNvPr id="7" name="Subtitle 2">
+            <a:extLst>
+              <a:ext uri="{FF2B5EF4-FFF2-40B4-BE49-F238E27FC236}">
+                <a16:creationId xmlns:a16="http://schemas.microsoft.com/office/drawing/2014/main" id="{37C5990A-DA2F-4EBF-9ACA-ED2EB79172EF}"/>
               </a:ext>
             </a:extLst>
           </p:cNvPr>
@@ -3520,7 +3583,9 @@
           </a:xfrm>
         </p:spPr>
         <p:txBody>
-          <a:bodyPr/>
+          <a:bodyPr>
+            <a:normAutofit fontScale="85000" lnSpcReduction="20000"/>
+          </a:bodyPr>
           <a:lstStyle/>
           <a:p>
             <a:pPr rtl="1"/>
@@ -3542,6 +3607,22 @@
                 <a:cs typeface="Tahoma" panose="020B0604030504040204" pitchFamily="34" charset="0"/>
               </a:rPr>
               <a:t>كلية الهندسة الكهربائية والالكترونية – جامعة حلب</a:t>
+            </a:r>
+            <a:endParaRPr lang="en-US" dirty="0">
+              <a:latin typeface="Tahoma" panose="020B0604030504040204" pitchFamily="34" charset="0"/>
+              <a:ea typeface="Tahoma" panose="020B0604030504040204" pitchFamily="34" charset="0"/>
+              <a:cs typeface="Tahoma" panose="020B0604030504040204" pitchFamily="34" charset="0"/>
+            </a:endParaRPr>
+          </a:p>
+          <a:p>
+            <a:pPr rtl="1"/>
+            <a:r>
+              <a:rPr lang="ar-SY" dirty="0">
+                <a:latin typeface="Tahoma" panose="020B0604030504040204" pitchFamily="34" charset="0"/>
+                <a:ea typeface="Tahoma" panose="020B0604030504040204" pitchFamily="34" charset="0"/>
+                <a:cs typeface="Tahoma" panose="020B0604030504040204" pitchFamily="34" charset="0"/>
+              </a:rPr>
+              <a:t>د. أسعد كعدان</a:t>
             </a:r>
             <a:endParaRPr lang="en-US" dirty="0">
               <a:latin typeface="Tahoma" panose="020B0604030504040204" pitchFamily="34" charset="0"/>
